--- a/JavaSecurity/Java安全架构.pptx
+++ b/JavaSecurity/Java安全架构.pptx
@@ -142,7 +142,7 @@
   </p:defaultTextStyle>
   <p:extLst>
     <p:ext uri="{EFAFB233-063F-42B5-8137-9DF3F51BA10A}">
-      <p15:sldGuideLst xmlns:p15="http://schemas.microsoft.com/office/powerpoint/2012/main" xmlns="">
+      <p15:sldGuideLst xmlns="" xmlns:p15="http://schemas.microsoft.com/office/powerpoint/2012/main">
         <p15:guide id="1" orient="horz" pos="2160">
           <p15:clr>
             <a:srgbClr val="A4A3A4"/>
@@ -156,7 +156,7 @@
       </p15:sldGuideLst>
     </p:ext>
     <p:ext uri="{2D200454-40CA-4A62-9FC3-DE9A4176ACB9}">
-      <p15:notesGuideLst xmlns:p15="http://schemas.microsoft.com/office/powerpoint/2012/main" xmlns=""/>
+      <p15:notesGuideLst xmlns="" xmlns:p15="http://schemas.microsoft.com/office/powerpoint/2012/main"/>
     </p:ext>
   </p:extLst>
 </p:presentation>
@@ -4712,7 +4712,7 @@
   </p:txStyles>
   <p:extLst mod="1">
     <p:ext uri="{27BBF7A9-308A-43DC-89C8-2F10F3537804}">
-      <p15:sldGuideLst xmlns:p15="http://schemas.microsoft.com/office/powerpoint/2012/main" xmlns="">
+      <p15:sldGuideLst xmlns="" xmlns:p15="http://schemas.microsoft.com/office/powerpoint/2012/main">
         <p15:guide id="1" orient="horz" pos="2160">
           <p15:clr>
             <a:srgbClr val="F26B43"/>
@@ -4927,21 +4927,21 @@
                 <a:gridCol w="3170237">
                   <a:extLst>
                     <a:ext uri="{9D8B030D-6E8A-4147-A177-3AD203B41FA5}">
-                      <a16:colId xmlns:a16="http://schemas.microsoft.com/office/drawing/2014/main" xmlns="" val="1262576194"/>
+                      <a16:colId xmlns="" xmlns:a16="http://schemas.microsoft.com/office/drawing/2014/main" val="1262576194"/>
                     </a:ext>
                   </a:extLst>
                 </a:gridCol>
                 <a:gridCol w="3170237">
                   <a:extLst>
                     <a:ext uri="{9D8B030D-6E8A-4147-A177-3AD203B41FA5}">
-                      <a16:colId xmlns:a16="http://schemas.microsoft.com/office/drawing/2014/main" xmlns="" val="1627258925"/>
+                      <a16:colId xmlns="" xmlns:a16="http://schemas.microsoft.com/office/drawing/2014/main" val="1627258925"/>
                     </a:ext>
                   </a:extLst>
                 </a:gridCol>
                 <a:gridCol w="3170237">
                   <a:extLst>
                     <a:ext uri="{9D8B030D-6E8A-4147-A177-3AD203B41FA5}">
-                      <a16:colId xmlns:a16="http://schemas.microsoft.com/office/drawing/2014/main" xmlns="" val="279132191"/>
+                      <a16:colId xmlns="" xmlns:a16="http://schemas.microsoft.com/office/drawing/2014/main" val="279132191"/>
                     </a:ext>
                   </a:extLst>
                 </a:gridCol>
@@ -5012,7 +5012,7 @@
                 </a:tc>
                 <a:extLst>
                   <a:ext uri="{0D108BD9-81ED-4DB2-BD59-A6C34878D82A}">
-                    <a16:rowId xmlns:a16="http://schemas.microsoft.com/office/drawing/2014/main" xmlns="" val="3704071744"/>
+                    <a16:rowId xmlns="" xmlns:a16="http://schemas.microsoft.com/office/drawing/2014/main" val="3704071744"/>
                   </a:ext>
                 </a:extLst>
               </a:tr>
@@ -5082,7 +5082,7 @@
                 </a:tc>
                 <a:extLst>
                   <a:ext uri="{0D108BD9-81ED-4DB2-BD59-A6C34878D82A}">
-                    <a16:rowId xmlns:a16="http://schemas.microsoft.com/office/drawing/2014/main" xmlns="" val="3056097180"/>
+                    <a16:rowId xmlns="" xmlns:a16="http://schemas.microsoft.com/office/drawing/2014/main" val="3056097180"/>
                   </a:ext>
                 </a:extLst>
               </a:tr>
@@ -5170,7 +5170,7 @@
                 </a:tc>
                 <a:extLst>
                   <a:ext uri="{0D108BD9-81ED-4DB2-BD59-A6C34878D82A}">
-                    <a16:rowId xmlns:a16="http://schemas.microsoft.com/office/drawing/2014/main" xmlns="" val="3398222936"/>
+                    <a16:rowId xmlns="" xmlns:a16="http://schemas.microsoft.com/office/drawing/2014/main" val="3398222936"/>
                   </a:ext>
                 </a:extLst>
               </a:tr>
@@ -5240,7 +5240,7 @@
                 </a:tc>
                 <a:extLst>
                   <a:ext uri="{0D108BD9-81ED-4DB2-BD59-A6C34878D82A}">
-                    <a16:rowId xmlns:a16="http://schemas.microsoft.com/office/drawing/2014/main" xmlns="" val="3661055458"/>
+                    <a16:rowId xmlns="" xmlns:a16="http://schemas.microsoft.com/office/drawing/2014/main" val="3661055458"/>
                   </a:ext>
                 </a:extLst>
               </a:tr>
@@ -5353,21 +5353,21 @@
                 <a:gridCol w="3170237">
                   <a:extLst>
                     <a:ext uri="{9D8B030D-6E8A-4147-A177-3AD203B41FA5}">
-                      <a16:colId xmlns:a16="http://schemas.microsoft.com/office/drawing/2014/main" xmlns="" val="1262576194"/>
+                      <a16:colId xmlns="" xmlns:a16="http://schemas.microsoft.com/office/drawing/2014/main" val="1262576194"/>
                     </a:ext>
                   </a:extLst>
                 </a:gridCol>
                 <a:gridCol w="3170237">
                   <a:extLst>
                     <a:ext uri="{9D8B030D-6E8A-4147-A177-3AD203B41FA5}">
-                      <a16:colId xmlns:a16="http://schemas.microsoft.com/office/drawing/2014/main" xmlns="" val="1627258925"/>
+                      <a16:colId xmlns="" xmlns:a16="http://schemas.microsoft.com/office/drawing/2014/main" val="1627258925"/>
                     </a:ext>
                   </a:extLst>
                 </a:gridCol>
                 <a:gridCol w="3170237">
                   <a:extLst>
                     <a:ext uri="{9D8B030D-6E8A-4147-A177-3AD203B41FA5}">
-                      <a16:colId xmlns:a16="http://schemas.microsoft.com/office/drawing/2014/main" xmlns="" val="279132191"/>
+                      <a16:colId xmlns="" xmlns:a16="http://schemas.microsoft.com/office/drawing/2014/main" val="279132191"/>
                     </a:ext>
                   </a:extLst>
                 </a:gridCol>
@@ -5438,7 +5438,7 @@
                 </a:tc>
                 <a:extLst>
                   <a:ext uri="{0D108BD9-81ED-4DB2-BD59-A6C34878D82A}">
-                    <a16:rowId xmlns:a16="http://schemas.microsoft.com/office/drawing/2014/main" xmlns="" val="3704071744"/>
+                    <a16:rowId xmlns="" xmlns:a16="http://schemas.microsoft.com/office/drawing/2014/main" val="3704071744"/>
                   </a:ext>
                 </a:extLst>
               </a:tr>
@@ -5508,7 +5508,7 @@
                 </a:tc>
                 <a:extLst>
                   <a:ext uri="{0D108BD9-81ED-4DB2-BD59-A6C34878D82A}">
-                    <a16:rowId xmlns:a16="http://schemas.microsoft.com/office/drawing/2014/main" xmlns="" val="3056097180"/>
+                    <a16:rowId xmlns="" xmlns:a16="http://schemas.microsoft.com/office/drawing/2014/main" val="3056097180"/>
                   </a:ext>
                 </a:extLst>
               </a:tr>
@@ -5578,7 +5578,7 @@
                 </a:tc>
                 <a:extLst>
                   <a:ext uri="{0D108BD9-81ED-4DB2-BD59-A6C34878D82A}">
-                    <a16:rowId xmlns:a16="http://schemas.microsoft.com/office/drawing/2014/main" xmlns="" val="3398222936"/>
+                    <a16:rowId xmlns="" xmlns:a16="http://schemas.microsoft.com/office/drawing/2014/main" val="3398222936"/>
                   </a:ext>
                 </a:extLst>
               </a:tr>
@@ -5664,7 +5664,7 @@
                 </a:tc>
                 <a:extLst>
                   <a:ext uri="{0D108BD9-81ED-4DB2-BD59-A6C34878D82A}">
-                    <a16:rowId xmlns:a16="http://schemas.microsoft.com/office/drawing/2014/main" xmlns="" val="3661055458"/>
+                    <a16:rowId xmlns="" xmlns:a16="http://schemas.microsoft.com/office/drawing/2014/main" val="3661055458"/>
                   </a:ext>
                 </a:extLst>
               </a:tr>
@@ -5766,7 +5766,7 @@
                 </a:tc>
                 <a:extLst>
                   <a:ext uri="{0D108BD9-81ED-4DB2-BD59-A6C34878D82A}">
-                    <a16:rowId xmlns:a16="http://schemas.microsoft.com/office/drawing/2014/main" xmlns="" val="1792707014"/>
+                    <a16:rowId xmlns="" xmlns:a16="http://schemas.microsoft.com/office/drawing/2014/main" val="1792707014"/>
                   </a:ext>
                 </a:extLst>
               </a:tr>
@@ -5886,7 +5886,7 @@
                 </a:tc>
                 <a:extLst>
                   <a:ext uri="{0D108BD9-81ED-4DB2-BD59-A6C34878D82A}">
-                    <a16:rowId xmlns:a16="http://schemas.microsoft.com/office/drawing/2014/main" xmlns="" val="583217582"/>
+                    <a16:rowId xmlns="" xmlns:a16="http://schemas.microsoft.com/office/drawing/2014/main" val="583217582"/>
                   </a:ext>
                 </a:extLst>
               </a:tr>
@@ -6313,21 +6313,21 @@
                 <a:gridCol w="3170237">
                   <a:extLst>
                     <a:ext uri="{9D8B030D-6E8A-4147-A177-3AD203B41FA5}">
-                      <a16:colId xmlns:a16="http://schemas.microsoft.com/office/drawing/2014/main" xmlns="" val="1262576194"/>
+                      <a16:colId xmlns="" xmlns:a16="http://schemas.microsoft.com/office/drawing/2014/main" val="1262576194"/>
                     </a:ext>
                   </a:extLst>
                 </a:gridCol>
                 <a:gridCol w="3170237">
                   <a:extLst>
                     <a:ext uri="{9D8B030D-6E8A-4147-A177-3AD203B41FA5}">
-                      <a16:colId xmlns:a16="http://schemas.microsoft.com/office/drawing/2014/main" xmlns="" val="1627258925"/>
+                      <a16:colId xmlns="" xmlns:a16="http://schemas.microsoft.com/office/drawing/2014/main" val="1627258925"/>
                     </a:ext>
                   </a:extLst>
                 </a:gridCol>
                 <a:gridCol w="3170237">
                   <a:extLst>
                     <a:ext uri="{9D8B030D-6E8A-4147-A177-3AD203B41FA5}">
-                      <a16:colId xmlns:a16="http://schemas.microsoft.com/office/drawing/2014/main" xmlns="" val="279132191"/>
+                      <a16:colId xmlns="" xmlns:a16="http://schemas.microsoft.com/office/drawing/2014/main" val="279132191"/>
                     </a:ext>
                   </a:extLst>
                 </a:gridCol>
@@ -6398,7 +6398,7 @@
                 </a:tc>
                 <a:extLst>
                   <a:ext uri="{0D108BD9-81ED-4DB2-BD59-A6C34878D82A}">
-                    <a16:rowId xmlns:a16="http://schemas.microsoft.com/office/drawing/2014/main" xmlns="" val="3704071744"/>
+                    <a16:rowId xmlns="" xmlns:a16="http://schemas.microsoft.com/office/drawing/2014/main" val="3704071744"/>
                   </a:ext>
                 </a:extLst>
               </a:tr>
@@ -6468,7 +6468,7 @@
                 </a:tc>
                 <a:extLst>
                   <a:ext uri="{0D108BD9-81ED-4DB2-BD59-A6C34878D82A}">
-                    <a16:rowId xmlns:a16="http://schemas.microsoft.com/office/drawing/2014/main" xmlns="" val="1026023813"/>
+                    <a16:rowId xmlns="" xmlns:a16="http://schemas.microsoft.com/office/drawing/2014/main" val="1026023813"/>
                   </a:ext>
                 </a:extLst>
               </a:tr>
@@ -6538,7 +6538,7 @@
                 </a:tc>
                 <a:extLst>
                   <a:ext uri="{0D108BD9-81ED-4DB2-BD59-A6C34878D82A}">
-                    <a16:rowId xmlns:a16="http://schemas.microsoft.com/office/drawing/2014/main" xmlns="" val="3056097180"/>
+                    <a16:rowId xmlns="" xmlns:a16="http://schemas.microsoft.com/office/drawing/2014/main" val="3056097180"/>
                   </a:ext>
                 </a:extLst>
               </a:tr>
@@ -6608,7 +6608,7 @@
                 </a:tc>
                 <a:extLst>
                   <a:ext uri="{0D108BD9-81ED-4DB2-BD59-A6C34878D82A}">
-                    <a16:rowId xmlns:a16="http://schemas.microsoft.com/office/drawing/2014/main" xmlns="" val="3398222936"/>
+                    <a16:rowId xmlns="" xmlns:a16="http://schemas.microsoft.com/office/drawing/2014/main" val="3398222936"/>
                   </a:ext>
                 </a:extLst>
               </a:tr>
@@ -6694,7 +6694,7 @@
                 </a:tc>
                 <a:extLst>
                   <a:ext uri="{0D108BD9-81ED-4DB2-BD59-A6C34878D82A}">
-                    <a16:rowId xmlns:a16="http://schemas.microsoft.com/office/drawing/2014/main" xmlns="" val="3661055458"/>
+                    <a16:rowId xmlns="" xmlns:a16="http://schemas.microsoft.com/office/drawing/2014/main" val="3661055458"/>
                   </a:ext>
                 </a:extLst>
               </a:tr>
@@ -6796,7 +6796,7 @@
                 </a:tc>
                 <a:extLst>
                   <a:ext uri="{0D108BD9-81ED-4DB2-BD59-A6C34878D82A}">
-                    <a16:rowId xmlns:a16="http://schemas.microsoft.com/office/drawing/2014/main" xmlns="" val="1792707014"/>
+                    <a16:rowId xmlns="" xmlns:a16="http://schemas.microsoft.com/office/drawing/2014/main" val="1792707014"/>
                   </a:ext>
                 </a:extLst>
               </a:tr>
@@ -6910,7 +6910,7 @@
                 </a:tc>
                 <a:extLst>
                   <a:ext uri="{0D108BD9-81ED-4DB2-BD59-A6C34878D82A}">
-                    <a16:rowId xmlns:a16="http://schemas.microsoft.com/office/drawing/2014/main" xmlns="" val="1883377276"/>
+                    <a16:rowId xmlns="" xmlns:a16="http://schemas.microsoft.com/office/drawing/2014/main" val="1883377276"/>
                   </a:ext>
                 </a:extLst>
               </a:tr>
@@ -7030,7 +7030,7 @@
                 </a:tc>
                 <a:extLst>
                   <a:ext uri="{0D108BD9-81ED-4DB2-BD59-A6C34878D82A}">
-                    <a16:rowId xmlns:a16="http://schemas.microsoft.com/office/drawing/2014/main" xmlns="" val="4018932841"/>
+                    <a16:rowId xmlns="" xmlns:a16="http://schemas.microsoft.com/office/drawing/2014/main" val="4018932841"/>
                   </a:ext>
                 </a:extLst>
               </a:tr>
@@ -7150,7 +7150,7 @@
                 </a:tc>
                 <a:extLst>
                   <a:ext uri="{0D108BD9-81ED-4DB2-BD59-A6C34878D82A}">
-                    <a16:rowId xmlns:a16="http://schemas.microsoft.com/office/drawing/2014/main" xmlns="" val="2814549111"/>
+                    <a16:rowId xmlns="" xmlns:a16="http://schemas.microsoft.com/office/drawing/2014/main" val="2814549111"/>
                   </a:ext>
                 </a:extLst>
               </a:tr>
@@ -7267,7 +7267,15 @@
                   <a:srgbClr val="0070C0"/>
                 </a:solidFill>
               </a:rPr>
-              <a:t>加密</a:t>
+              <a:t>加</a:t>
+            </a:r>
+            <a:r>
+              <a:rPr lang="zh-CN" altLang="en-US" sz="1600" dirty="0" smtClean="0">
+                <a:solidFill>
+                  <a:srgbClr val="0070C0"/>
+                </a:solidFill>
+              </a:rPr>
+              <a:t>密</a:t>
             </a:r>
             <a:r>
               <a:rPr lang="zh-CN" altLang="en-US" sz="1600" dirty="0">
@@ -7275,7 +7283,15 @@
                   <a:srgbClr val="0070C0"/>
                 </a:solidFill>
               </a:rPr>
-              <a:t>秘钥 </a:t>
+              <a:t>密钥</a:t>
+            </a:r>
+            <a:r>
+              <a:rPr lang="zh-CN" altLang="en-US" sz="1600" dirty="0" smtClean="0">
+                <a:solidFill>
+                  <a:srgbClr val="0070C0"/>
+                </a:solidFill>
+              </a:rPr>
+              <a:t> </a:t>
             </a:r>
             <a:r>
               <a:rPr lang="en-US" altLang="zh-CN" sz="1600" dirty="0">
@@ -7291,7 +7307,23 @@
                   <a:srgbClr val="0070C0"/>
                 </a:solidFill>
               </a:rPr>
-              <a:t>解密秘钥</a:t>
+              <a:t>解</a:t>
+            </a:r>
+            <a:r>
+              <a:rPr lang="zh-CN" altLang="en-US" sz="1600" dirty="0" smtClean="0">
+                <a:solidFill>
+                  <a:srgbClr val="0070C0"/>
+                </a:solidFill>
+              </a:rPr>
+              <a:t>密</a:t>
+            </a:r>
+            <a:r>
+              <a:rPr lang="zh-CN" altLang="en-US" sz="1600" dirty="0">
+                <a:solidFill>
+                  <a:srgbClr val="0070C0"/>
+                </a:solidFill>
+              </a:rPr>
+              <a:t>密钥</a:t>
             </a:r>
             <a:endParaRPr lang="en-US" altLang="zh-CN" sz="1600" dirty="0">
               <a:solidFill>
@@ -7482,7 +7514,39 @@
                   <a:srgbClr val="0070C0"/>
                 </a:solidFill>
               </a:rPr>
-              <a:t>不能保证秘钥交换安全</a:t>
+              <a:t>不能保</a:t>
+            </a:r>
+            <a:r>
+              <a:rPr lang="zh-CN" altLang="en-US" sz="1600" dirty="0" smtClean="0">
+                <a:solidFill>
+                  <a:srgbClr val="0070C0"/>
+                </a:solidFill>
+              </a:rPr>
+              <a:t>证</a:t>
+            </a:r>
+            <a:r>
+              <a:rPr lang="zh-CN" altLang="en-US" sz="1600" dirty="0">
+                <a:solidFill>
+                  <a:srgbClr val="0070C0"/>
+                </a:solidFill>
+              </a:rPr>
+              <a:t>密钥</a:t>
+            </a:r>
+            <a:r>
+              <a:rPr lang="zh-CN" altLang="en-US" sz="1600" dirty="0" smtClean="0">
+                <a:solidFill>
+                  <a:srgbClr val="0070C0"/>
+                </a:solidFill>
+              </a:rPr>
+              <a:t>交</a:t>
+            </a:r>
+            <a:r>
+              <a:rPr lang="zh-CN" altLang="en-US" sz="1600" dirty="0">
+                <a:solidFill>
+                  <a:srgbClr val="0070C0"/>
+                </a:solidFill>
+              </a:rPr>
+              <a:t>换安全</a:t>
             </a:r>
             <a:endParaRPr lang="en-US" altLang="zh-CN" sz="1600" dirty="0">
               <a:solidFill>
@@ -7621,35 +7685,35 @@
                 <a:gridCol w="1996575">
                   <a:extLst>
                     <a:ext uri="{9D8B030D-6E8A-4147-A177-3AD203B41FA5}">
-                      <a16:colId xmlns:a16="http://schemas.microsoft.com/office/drawing/2014/main" xmlns="" val="1393900185"/>
+                      <a16:colId xmlns="" xmlns:a16="http://schemas.microsoft.com/office/drawing/2014/main" val="1393900185"/>
                     </a:ext>
                   </a:extLst>
                 </a:gridCol>
                 <a:gridCol w="1188456">
                   <a:extLst>
                     <a:ext uri="{9D8B030D-6E8A-4147-A177-3AD203B41FA5}">
-                      <a16:colId xmlns:a16="http://schemas.microsoft.com/office/drawing/2014/main" xmlns="" val="3389078971"/>
+                      <a16:colId xmlns="" xmlns:a16="http://schemas.microsoft.com/office/drawing/2014/main" val="3389078971"/>
                     </a:ext>
                   </a:extLst>
                 </a:gridCol>
                 <a:gridCol w="1181288">
                   <a:extLst>
                     <a:ext uri="{9D8B030D-6E8A-4147-A177-3AD203B41FA5}">
-                      <a16:colId xmlns:a16="http://schemas.microsoft.com/office/drawing/2014/main" xmlns="" val="655618677"/>
+                      <a16:colId xmlns="" xmlns:a16="http://schemas.microsoft.com/office/drawing/2014/main" val="655618677"/>
                     </a:ext>
                   </a:extLst>
                 </a:gridCol>
                 <a:gridCol w="2831419">
                   <a:extLst>
                     <a:ext uri="{9D8B030D-6E8A-4147-A177-3AD203B41FA5}">
-                      <a16:colId xmlns:a16="http://schemas.microsoft.com/office/drawing/2014/main" xmlns="" val="502106572"/>
+                      <a16:colId xmlns="" xmlns:a16="http://schemas.microsoft.com/office/drawing/2014/main" val="502106572"/>
                     </a:ext>
                   </a:extLst>
                 </a:gridCol>
                 <a:gridCol w="2785137">
                   <a:extLst>
                     <a:ext uri="{9D8B030D-6E8A-4147-A177-3AD203B41FA5}">
-                      <a16:colId xmlns:a16="http://schemas.microsoft.com/office/drawing/2014/main" xmlns="" val="2796583417"/>
+                      <a16:colId xmlns="" xmlns:a16="http://schemas.microsoft.com/office/drawing/2014/main" val="2796583417"/>
                     </a:ext>
                   </a:extLst>
                 </a:gridCol>
@@ -7969,7 +8033,7 @@
                 </a:tc>
                 <a:extLst>
                   <a:ext uri="{0D108BD9-81ED-4DB2-BD59-A6C34878D82A}">
-                    <a16:rowId xmlns:a16="http://schemas.microsoft.com/office/drawing/2014/main" xmlns="" val="222512411"/>
+                    <a16:rowId xmlns="" xmlns:a16="http://schemas.microsoft.com/office/drawing/2014/main" val="222512411"/>
                   </a:ext>
                 </a:extLst>
               </a:tr>
@@ -8406,7 +8470,7 @@
                 </a:tc>
                 <a:extLst>
                   <a:ext uri="{0D108BD9-81ED-4DB2-BD59-A6C34878D82A}">
-                    <a16:rowId xmlns:a16="http://schemas.microsoft.com/office/drawing/2014/main" xmlns="" val="2478292743"/>
+                    <a16:rowId xmlns="" xmlns:a16="http://schemas.microsoft.com/office/drawing/2014/main" val="2478292743"/>
                   </a:ext>
                 </a:extLst>
               </a:tr>
@@ -8785,7 +8849,7 @@
                 </a:tc>
                 <a:extLst>
                   <a:ext uri="{0D108BD9-81ED-4DB2-BD59-A6C34878D82A}">
-                    <a16:rowId xmlns:a16="http://schemas.microsoft.com/office/drawing/2014/main" xmlns="" val="3999082340"/>
+                    <a16:rowId xmlns="" xmlns:a16="http://schemas.microsoft.com/office/drawing/2014/main" val="3999082340"/>
                   </a:ext>
                 </a:extLst>
               </a:tr>
@@ -8914,35 +8978,35 @@
                 <a:gridCol w="1996575">
                   <a:extLst>
                     <a:ext uri="{9D8B030D-6E8A-4147-A177-3AD203B41FA5}">
-                      <a16:colId xmlns:a16="http://schemas.microsoft.com/office/drawing/2014/main" xmlns="" val="1393900185"/>
+                      <a16:colId xmlns="" xmlns:a16="http://schemas.microsoft.com/office/drawing/2014/main" val="1393900185"/>
                     </a:ext>
                   </a:extLst>
                 </a:gridCol>
                 <a:gridCol w="1188456">
                   <a:extLst>
                     <a:ext uri="{9D8B030D-6E8A-4147-A177-3AD203B41FA5}">
-                      <a16:colId xmlns:a16="http://schemas.microsoft.com/office/drawing/2014/main" xmlns="" val="3389078971"/>
+                      <a16:colId xmlns="" xmlns:a16="http://schemas.microsoft.com/office/drawing/2014/main" val="3389078971"/>
                     </a:ext>
                   </a:extLst>
                 </a:gridCol>
                 <a:gridCol w="1181288">
                   <a:extLst>
                     <a:ext uri="{9D8B030D-6E8A-4147-A177-3AD203B41FA5}">
-                      <a16:colId xmlns:a16="http://schemas.microsoft.com/office/drawing/2014/main" xmlns="" val="655618677"/>
+                      <a16:colId xmlns="" xmlns:a16="http://schemas.microsoft.com/office/drawing/2014/main" val="655618677"/>
                     </a:ext>
                   </a:extLst>
                 </a:gridCol>
                 <a:gridCol w="2831419">
                   <a:extLst>
                     <a:ext uri="{9D8B030D-6E8A-4147-A177-3AD203B41FA5}">
-                      <a16:colId xmlns:a16="http://schemas.microsoft.com/office/drawing/2014/main" xmlns="" val="502106572"/>
+                      <a16:colId xmlns="" xmlns:a16="http://schemas.microsoft.com/office/drawing/2014/main" val="502106572"/>
                     </a:ext>
                   </a:extLst>
                 </a:gridCol>
                 <a:gridCol w="2785137">
                   <a:extLst>
                     <a:ext uri="{9D8B030D-6E8A-4147-A177-3AD203B41FA5}">
-                      <a16:colId xmlns:a16="http://schemas.microsoft.com/office/drawing/2014/main" xmlns="" val="2796583417"/>
+                      <a16:colId xmlns="" xmlns:a16="http://schemas.microsoft.com/office/drawing/2014/main" val="2796583417"/>
                     </a:ext>
                   </a:extLst>
                 </a:gridCol>
@@ -9262,7 +9326,7 @@
                 </a:tc>
                 <a:extLst>
                   <a:ext uri="{0D108BD9-81ED-4DB2-BD59-A6C34878D82A}">
-                    <a16:rowId xmlns:a16="http://schemas.microsoft.com/office/drawing/2014/main" xmlns="" val="222512411"/>
+                    <a16:rowId xmlns="" xmlns:a16="http://schemas.microsoft.com/office/drawing/2014/main" val="222512411"/>
                   </a:ext>
                 </a:extLst>
               </a:tr>
@@ -9713,7 +9777,7 @@
                 </a:tc>
                 <a:extLst>
                   <a:ext uri="{0D108BD9-81ED-4DB2-BD59-A6C34878D82A}">
-                    <a16:rowId xmlns:a16="http://schemas.microsoft.com/office/drawing/2014/main" xmlns="" val="2478292743"/>
+                    <a16:rowId xmlns="" xmlns:a16="http://schemas.microsoft.com/office/drawing/2014/main" val="2478292743"/>
                   </a:ext>
                 </a:extLst>
               </a:tr>
@@ -10106,7 +10170,7 @@
                 </a:tc>
                 <a:extLst>
                   <a:ext uri="{0D108BD9-81ED-4DB2-BD59-A6C34878D82A}">
-                    <a16:rowId xmlns:a16="http://schemas.microsoft.com/office/drawing/2014/main" xmlns="" val="3999082340"/>
+                    <a16:rowId xmlns="" xmlns:a16="http://schemas.microsoft.com/office/drawing/2014/main" val="3999082340"/>
                   </a:ext>
                 </a:extLst>
               </a:tr>
@@ -10215,35 +10279,35 @@
                 <a:gridCol w="1996575">
                   <a:extLst>
                     <a:ext uri="{9D8B030D-6E8A-4147-A177-3AD203B41FA5}">
-                      <a16:colId xmlns:a16="http://schemas.microsoft.com/office/drawing/2014/main" xmlns="" val="1393900185"/>
+                      <a16:colId xmlns="" xmlns:a16="http://schemas.microsoft.com/office/drawing/2014/main" val="1393900185"/>
                     </a:ext>
                   </a:extLst>
                 </a:gridCol>
                 <a:gridCol w="1188456">
                   <a:extLst>
                     <a:ext uri="{9D8B030D-6E8A-4147-A177-3AD203B41FA5}">
-                      <a16:colId xmlns:a16="http://schemas.microsoft.com/office/drawing/2014/main" xmlns="" val="3389078971"/>
+                      <a16:colId xmlns="" xmlns:a16="http://schemas.microsoft.com/office/drawing/2014/main" val="3389078971"/>
                     </a:ext>
                   </a:extLst>
                 </a:gridCol>
                 <a:gridCol w="1181288">
                   <a:extLst>
                     <a:ext uri="{9D8B030D-6E8A-4147-A177-3AD203B41FA5}">
-                      <a16:colId xmlns:a16="http://schemas.microsoft.com/office/drawing/2014/main" xmlns="" val="655618677"/>
+                      <a16:colId xmlns="" xmlns:a16="http://schemas.microsoft.com/office/drawing/2014/main" val="655618677"/>
                     </a:ext>
                   </a:extLst>
                 </a:gridCol>
                 <a:gridCol w="2831419">
                   <a:extLst>
                     <a:ext uri="{9D8B030D-6E8A-4147-A177-3AD203B41FA5}">
-                      <a16:colId xmlns:a16="http://schemas.microsoft.com/office/drawing/2014/main" xmlns="" val="502106572"/>
+                      <a16:colId xmlns="" xmlns:a16="http://schemas.microsoft.com/office/drawing/2014/main" val="502106572"/>
                     </a:ext>
                   </a:extLst>
                 </a:gridCol>
                 <a:gridCol w="2785137">
                   <a:extLst>
                     <a:ext uri="{9D8B030D-6E8A-4147-A177-3AD203B41FA5}">
-                      <a16:colId xmlns:a16="http://schemas.microsoft.com/office/drawing/2014/main" xmlns="" val="2796583417"/>
+                      <a16:colId xmlns="" xmlns:a16="http://schemas.microsoft.com/office/drawing/2014/main" val="2796583417"/>
                     </a:ext>
                   </a:extLst>
                 </a:gridCol>
@@ -10563,7 +10627,7 @@
                 </a:tc>
                 <a:extLst>
                   <a:ext uri="{0D108BD9-81ED-4DB2-BD59-A6C34878D82A}">
-                    <a16:rowId xmlns:a16="http://schemas.microsoft.com/office/drawing/2014/main" xmlns="" val="222512411"/>
+                    <a16:rowId xmlns="" xmlns:a16="http://schemas.microsoft.com/office/drawing/2014/main" val="222512411"/>
                   </a:ext>
                 </a:extLst>
               </a:tr>
@@ -11037,7 +11101,7 @@
                 </a:tc>
                 <a:extLst>
                   <a:ext uri="{0D108BD9-81ED-4DB2-BD59-A6C34878D82A}">
-                    <a16:rowId xmlns:a16="http://schemas.microsoft.com/office/drawing/2014/main" xmlns="" val="2478292743"/>
+                    <a16:rowId xmlns="" xmlns:a16="http://schemas.microsoft.com/office/drawing/2014/main" val="2478292743"/>
                   </a:ext>
                 </a:extLst>
               </a:tr>
@@ -11398,7 +11462,7 @@
                 </a:tc>
                 <a:extLst>
                   <a:ext uri="{0D108BD9-81ED-4DB2-BD59-A6C34878D82A}">
-                    <a16:rowId xmlns:a16="http://schemas.microsoft.com/office/drawing/2014/main" xmlns="" val="3999082340"/>
+                    <a16:rowId xmlns="" xmlns:a16="http://schemas.microsoft.com/office/drawing/2014/main" val="3999082340"/>
                   </a:ext>
                 </a:extLst>
               </a:tr>
@@ -11491,17 +11555,37 @@
                 <a:latin typeface="微软雅黑" panose="020B0503020204020204" pitchFamily="34" charset="-122"/>
                 <a:ea typeface="微软雅黑" panose="020B0503020204020204" pitchFamily="34" charset="-122"/>
               </a:rPr>
-              <a:t>位秘钥需要获得</a:t>
-            </a:r>
-            <a:r>
-              <a:rPr lang="zh-CN" altLang="en-US" sz="1600" b="1" i="1" dirty="0" smtClean="0">
+              <a:t>位秘钥需要获</a:t>
+            </a:r>
+            <a:r>
+              <a:rPr lang="zh-CN" altLang="en-US" sz="1600" dirty="0" smtClean="0">
                 <a:solidFill>
                   <a:srgbClr val="C00000"/>
                 </a:solidFill>
                 <a:latin typeface="微软雅黑" panose="020B0503020204020204" pitchFamily="34" charset="-122"/>
                 <a:ea typeface="微软雅黑" panose="020B0503020204020204" pitchFamily="34" charset="-122"/>
               </a:rPr>
-              <a:t>无政策限制权限文件</a:t>
+              <a:t>得 </a:t>
+            </a:r>
+            <a:r>
+              <a:rPr lang="zh-CN" altLang="en-US" sz="1600" b="1" i="1" dirty="0" smtClean="0">
+                <a:solidFill>
+                  <a:srgbClr val="C00000"/>
+                </a:solidFill>
+                <a:latin typeface="微软雅黑" panose="020B0503020204020204" pitchFamily="34" charset="-122"/>
+                <a:ea typeface="微软雅黑" panose="020B0503020204020204" pitchFamily="34" charset="-122"/>
+              </a:rPr>
+              <a:t>无</a:t>
+            </a:r>
+            <a:r>
+              <a:rPr lang="zh-CN" altLang="en-US" sz="1600" b="1" i="1" dirty="0" smtClean="0">
+                <a:solidFill>
+                  <a:srgbClr val="C00000"/>
+                </a:solidFill>
+                <a:latin typeface="微软雅黑" panose="020B0503020204020204" pitchFamily="34" charset="-122"/>
+                <a:ea typeface="微软雅黑" panose="020B0503020204020204" pitchFamily="34" charset="-122"/>
+              </a:rPr>
+              <a:t>政策限制权限文件</a:t>
             </a:r>
             <a:endParaRPr lang="en-US" altLang="zh-CN" sz="1600" b="1" i="1" dirty="0" smtClean="0">
               <a:solidFill>
@@ -11638,35 +11722,35 @@
                 <a:gridCol w="1902142">
                   <a:extLst>
                     <a:ext uri="{9D8B030D-6E8A-4147-A177-3AD203B41FA5}">
-                      <a16:colId xmlns:a16="http://schemas.microsoft.com/office/drawing/2014/main" xmlns="" val="1270668206"/>
+                      <a16:colId xmlns="" xmlns:a16="http://schemas.microsoft.com/office/drawing/2014/main" val="1270668206"/>
                     </a:ext>
                   </a:extLst>
                 </a:gridCol>
                 <a:gridCol w="1902142">
                   <a:extLst>
                     <a:ext uri="{9D8B030D-6E8A-4147-A177-3AD203B41FA5}">
-                      <a16:colId xmlns:a16="http://schemas.microsoft.com/office/drawing/2014/main" xmlns="" val="1083689566"/>
+                      <a16:colId xmlns="" xmlns:a16="http://schemas.microsoft.com/office/drawing/2014/main" val="1083689566"/>
                     </a:ext>
                   </a:extLst>
                 </a:gridCol>
                 <a:gridCol w="1902142">
                   <a:extLst>
                     <a:ext uri="{9D8B030D-6E8A-4147-A177-3AD203B41FA5}">
-                      <a16:colId xmlns:a16="http://schemas.microsoft.com/office/drawing/2014/main" xmlns="" val="491322313"/>
+                      <a16:colId xmlns="" xmlns:a16="http://schemas.microsoft.com/office/drawing/2014/main" val="491322313"/>
                     </a:ext>
                   </a:extLst>
                 </a:gridCol>
                 <a:gridCol w="1902142">
                   <a:extLst>
                     <a:ext uri="{9D8B030D-6E8A-4147-A177-3AD203B41FA5}">
-                      <a16:colId xmlns:a16="http://schemas.microsoft.com/office/drawing/2014/main" xmlns="" val="2519024925"/>
+                      <a16:colId xmlns="" xmlns:a16="http://schemas.microsoft.com/office/drawing/2014/main" val="2519024925"/>
                     </a:ext>
                   </a:extLst>
                 </a:gridCol>
                 <a:gridCol w="1902142">
                   <a:extLst>
                     <a:ext uri="{9D8B030D-6E8A-4147-A177-3AD203B41FA5}">
-                      <a16:colId xmlns:a16="http://schemas.microsoft.com/office/drawing/2014/main" xmlns="" val="4198837936"/>
+                      <a16:colId xmlns="" xmlns:a16="http://schemas.microsoft.com/office/drawing/2014/main" val="4198837936"/>
                     </a:ext>
                   </a:extLst>
                 </a:gridCol>
@@ -11779,7 +11863,7 @@
                 </a:tc>
                 <a:extLst>
                   <a:ext uri="{0D108BD9-81ED-4DB2-BD59-A6C34878D82A}">
-                    <a16:rowId xmlns:a16="http://schemas.microsoft.com/office/drawing/2014/main" xmlns="" val="54892672"/>
+                    <a16:rowId xmlns="" xmlns:a16="http://schemas.microsoft.com/office/drawing/2014/main" val="54892672"/>
                   </a:ext>
                 </a:extLst>
               </a:tr>
@@ -11905,7 +11989,7 @@
                 </a:tc>
                 <a:extLst>
                   <a:ext uri="{0D108BD9-81ED-4DB2-BD59-A6C34878D82A}">
-                    <a16:rowId xmlns:a16="http://schemas.microsoft.com/office/drawing/2014/main" xmlns="" val="644525124"/>
+                    <a16:rowId xmlns="" xmlns:a16="http://schemas.microsoft.com/office/drawing/2014/main" val="644525124"/>
                   </a:ext>
                 </a:extLst>
               </a:tr>
@@ -12059,7 +12143,7 @@
                 </a:tc>
                 <a:extLst>
                   <a:ext uri="{0D108BD9-81ED-4DB2-BD59-A6C34878D82A}">
-                    <a16:rowId xmlns:a16="http://schemas.microsoft.com/office/drawing/2014/main" xmlns="" val="1441979899"/>
+                    <a16:rowId xmlns="" xmlns:a16="http://schemas.microsoft.com/office/drawing/2014/main" val="1441979899"/>
                   </a:ext>
                 </a:extLst>
               </a:tr>
@@ -12199,7 +12283,7 @@
                 </a:tc>
                 <a:extLst>
                   <a:ext uri="{0D108BD9-81ED-4DB2-BD59-A6C34878D82A}">
-                    <a16:rowId xmlns:a16="http://schemas.microsoft.com/office/drawing/2014/main" xmlns="" val="2067020072"/>
+                    <a16:rowId xmlns="" xmlns:a16="http://schemas.microsoft.com/office/drawing/2014/main" val="2067020072"/>
                   </a:ext>
                 </a:extLst>
               </a:tr>
@@ -12321,7 +12405,15 @@
                   <a:srgbClr val="0070C0"/>
                 </a:solidFill>
               </a:rPr>
-              <a:t>加密</a:t>
+              <a:t>加</a:t>
+            </a:r>
+            <a:r>
+              <a:rPr lang="zh-CN" altLang="en-US" sz="1600" dirty="0" smtClean="0">
+                <a:solidFill>
+                  <a:srgbClr val="0070C0"/>
+                </a:solidFill>
+              </a:rPr>
+              <a:t>密</a:t>
             </a:r>
             <a:r>
               <a:rPr lang="zh-CN" altLang="en-US" sz="1600" dirty="0">
@@ -12329,7 +12421,15 @@
                   <a:srgbClr val="0070C0"/>
                 </a:solidFill>
               </a:rPr>
-              <a:t>秘钥 </a:t>
+              <a:t>密钥</a:t>
+            </a:r>
+            <a:r>
+              <a:rPr lang="zh-CN" altLang="en-US" sz="1600" dirty="0" smtClean="0">
+                <a:solidFill>
+                  <a:srgbClr val="0070C0"/>
+                </a:solidFill>
+              </a:rPr>
+              <a:t> </a:t>
             </a:r>
             <a:r>
               <a:rPr lang="zh-CN" altLang="en-US" sz="1600" dirty="0" smtClean="0">
@@ -12353,7 +12453,7 @@
                   <a:srgbClr val="0070C0"/>
                 </a:solidFill>
               </a:rPr>
-              <a:t>解密秘</a:t>
+              <a:t>解</a:t>
             </a:r>
             <a:r>
               <a:rPr lang="zh-CN" altLang="en-US" sz="1600" dirty="0" smtClean="0">
@@ -12361,7 +12461,31 @@
                   <a:srgbClr val="0070C0"/>
                 </a:solidFill>
               </a:rPr>
-              <a:t>钥        公钥加密私钥解密，私钥加密公钥解密</a:t>
+              <a:t>密</a:t>
+            </a:r>
+            <a:r>
+              <a:rPr lang="zh-CN" altLang="en-US" sz="1600" dirty="0">
+                <a:solidFill>
+                  <a:srgbClr val="0070C0"/>
+                </a:solidFill>
+              </a:rPr>
+              <a:t>密钥</a:t>
+            </a:r>
+            <a:r>
+              <a:rPr lang="zh-CN" altLang="en-US" sz="1600" dirty="0" smtClean="0">
+                <a:solidFill>
+                  <a:srgbClr val="0070C0"/>
+                </a:solidFill>
+              </a:rPr>
+              <a:t>        </a:t>
+            </a:r>
+            <a:r>
+              <a:rPr lang="zh-CN" altLang="en-US" sz="1600" dirty="0" smtClean="0">
+                <a:solidFill>
+                  <a:srgbClr val="0070C0"/>
+                </a:solidFill>
+              </a:rPr>
+              <a:t>公钥加密私钥解密，私钥加密公钥解密</a:t>
             </a:r>
             <a:endParaRPr lang="en-US" altLang="zh-CN" sz="1600" dirty="0">
               <a:solidFill>
@@ -12431,10 +12555,60 @@
             <a:r>
               <a:rPr lang="zh-CN" altLang="en-US" sz="1600" dirty="0" smtClean="0">
                 <a:solidFill>
-                  <a:srgbClr val="0070C0"/>
+                  <a:srgbClr val="00B0F0"/>
                 </a:solidFill>
               </a:rPr>
               <a:t>加密</a:t>
+            </a:r>
+            <a:endParaRPr lang="en-US" altLang="zh-CN" sz="1600" dirty="0" smtClean="0">
+              <a:solidFill>
+                <a:srgbClr val="00B0F0"/>
+              </a:solidFill>
+            </a:endParaRPr>
+          </a:p>
+          <a:p>
+            <a:pPr marL="45720" indent="0">
+              <a:buNone/>
+            </a:pPr>
+            <a:r>
+              <a:rPr lang="en-US" altLang="zh-CN" sz="1600" dirty="0">
+                <a:solidFill>
+                  <a:srgbClr val="0070C0"/>
+                </a:solidFill>
+              </a:rPr>
+              <a:t> </a:t>
+            </a:r>
+            <a:r>
+              <a:rPr lang="en-US" altLang="zh-CN" sz="1600" dirty="0" smtClean="0">
+                <a:solidFill>
+                  <a:srgbClr val="0070C0"/>
+                </a:solidFill>
+              </a:rPr>
+              <a:t>   </a:t>
+            </a:r>
+            <a:r>
+              <a:rPr lang="zh-CN" altLang="en-US" sz="1600" dirty="0">
+                <a:solidFill>
+                  <a:srgbClr val="0070C0"/>
+                </a:solidFill>
+              </a:rPr>
+              <a:t>密钥</a:t>
+            </a:r>
+            <a:r>
+              <a:rPr lang="zh-CN" altLang="en-US" sz="1600" dirty="0" smtClean="0">
+                <a:solidFill>
+                  <a:srgbClr val="0070C0"/>
+                </a:solidFill>
+              </a:rPr>
+              <a:t>交</a:t>
+            </a:r>
+            <a:r>
+              <a:rPr lang="zh-CN" altLang="en-US" sz="1600" dirty="0" smtClean="0">
+                <a:solidFill>
+                  <a:srgbClr val="0070C0"/>
+                </a:solidFill>
+              </a:rPr>
+              <a:t>换</a:t>
             </a:r>
             <a:endParaRPr lang="en-US" altLang="zh-CN" sz="1600" dirty="0" smtClean="0">
               <a:solidFill>
@@ -12468,40 +12642,6 @@
                   <a:srgbClr val="0070C0"/>
                 </a:solidFill>
               </a:rPr>
-              <a:t>秘钥交换</a:t>
-            </a:r>
-            <a:endParaRPr lang="en-US" altLang="zh-CN" sz="1600" dirty="0" smtClean="0">
-              <a:solidFill>
-                <a:srgbClr val="0070C0"/>
-              </a:solidFill>
-            </a:endParaRPr>
-          </a:p>
-          <a:p>
-            <a:pPr marL="45720" indent="0">
-              <a:buNone/>
-            </a:pPr>
-            <a:r>
-              <a:rPr lang="en-US" altLang="zh-CN" sz="1600" dirty="0">
-                <a:solidFill>
-                  <a:srgbClr val="0070C0"/>
-                </a:solidFill>
-              </a:rPr>
-              <a:t> </a:t>
-            </a:r>
-            <a:r>
-              <a:rPr lang="en-US" altLang="zh-CN" sz="1600" dirty="0" smtClean="0">
-                <a:solidFill>
-                  <a:srgbClr val="0070C0"/>
-                </a:solidFill>
-              </a:rPr>
-              <a:t>   </a:t>
-            </a:r>
-            <a:r>
-              <a:rPr lang="zh-CN" altLang="en-US" sz="1600" dirty="0" smtClean="0">
-                <a:solidFill>
-                  <a:srgbClr val="0070C0"/>
-                </a:solidFill>
-              </a:rPr>
               <a:t>数字签名</a:t>
             </a:r>
             <a:endParaRPr lang="en-US" altLang="zh-CN" sz="1600" dirty="0">
@@ -12530,12 +12670,28 @@
               <a:t>   </a:t>
             </a:r>
             <a:r>
+              <a:rPr lang="en-US" altLang="zh-CN" sz="1600" dirty="0" smtClean="0">
+                <a:solidFill>
+                  <a:srgbClr val="0070C0"/>
+                </a:solidFill>
+              </a:rPr>
+              <a:t> </a:t>
+            </a:r>
+            <a:r>
               <a:rPr lang="zh-CN" altLang="en-US" sz="1600" dirty="0" smtClean="0">
                 <a:solidFill>
                   <a:srgbClr val="0070C0"/>
                 </a:solidFill>
               </a:rPr>
-              <a:t>速度慢</a:t>
+              <a:t>速</a:t>
+            </a:r>
+            <a:r>
+              <a:rPr lang="zh-CN" altLang="en-US" sz="1600" dirty="0" smtClean="0">
+                <a:solidFill>
+                  <a:srgbClr val="0070C0"/>
+                </a:solidFill>
+              </a:rPr>
+              <a:t>度慢</a:t>
             </a:r>
             <a:endParaRPr lang="en-US" altLang="zh-CN" sz="1600" dirty="0">
               <a:solidFill>
@@ -12780,35 +12936,35 @@
                 <a:gridCol w="2080982">
                   <a:extLst>
                     <a:ext uri="{9D8B030D-6E8A-4147-A177-3AD203B41FA5}">
-                      <a16:colId xmlns:a16="http://schemas.microsoft.com/office/drawing/2014/main" xmlns="" val="1393900185"/>
+                      <a16:colId xmlns="" xmlns:a16="http://schemas.microsoft.com/office/drawing/2014/main" val="1393900185"/>
                     </a:ext>
                   </a:extLst>
                 </a:gridCol>
                 <a:gridCol w="1238699">
                   <a:extLst>
                     <a:ext uri="{9D8B030D-6E8A-4147-A177-3AD203B41FA5}">
-                      <a16:colId xmlns:a16="http://schemas.microsoft.com/office/drawing/2014/main" xmlns="" val="3389078971"/>
+                      <a16:colId xmlns="" xmlns:a16="http://schemas.microsoft.com/office/drawing/2014/main" val="3389078971"/>
                     </a:ext>
                   </a:extLst>
                 </a:gridCol>
                 <a:gridCol w="1231228">
                   <a:extLst>
                     <a:ext uri="{9D8B030D-6E8A-4147-A177-3AD203B41FA5}">
-                      <a16:colId xmlns:a16="http://schemas.microsoft.com/office/drawing/2014/main" xmlns="" val="655618677"/>
+                      <a16:colId xmlns="" xmlns:a16="http://schemas.microsoft.com/office/drawing/2014/main" val="655618677"/>
                     </a:ext>
                   </a:extLst>
                 </a:gridCol>
                 <a:gridCol w="1337979">
                   <a:extLst>
                     <a:ext uri="{9D8B030D-6E8A-4147-A177-3AD203B41FA5}">
-                      <a16:colId xmlns:a16="http://schemas.microsoft.com/office/drawing/2014/main" xmlns="" val="502106572"/>
+                      <a16:colId xmlns="" xmlns:a16="http://schemas.microsoft.com/office/drawing/2014/main" val="502106572"/>
                     </a:ext>
                   </a:extLst>
                 </a:gridCol>
                 <a:gridCol w="4516021">
                   <a:extLst>
                     <a:ext uri="{9D8B030D-6E8A-4147-A177-3AD203B41FA5}">
-                      <a16:colId xmlns:a16="http://schemas.microsoft.com/office/drawing/2014/main" xmlns="" val="2796583417"/>
+                      <a16:colId xmlns="" xmlns:a16="http://schemas.microsoft.com/office/drawing/2014/main" val="2796583417"/>
                     </a:ext>
                   </a:extLst>
                 </a:gridCol>
@@ -13128,7 +13284,7 @@
                 </a:tc>
                 <a:extLst>
                   <a:ext uri="{0D108BD9-81ED-4DB2-BD59-A6C34878D82A}">
-                    <a16:rowId xmlns:a16="http://schemas.microsoft.com/office/drawing/2014/main" xmlns="" val="222512411"/>
+                    <a16:rowId xmlns="" xmlns:a16="http://schemas.microsoft.com/office/drawing/2014/main" val="222512411"/>
                   </a:ext>
                 </a:extLst>
               </a:tr>
@@ -13513,7 +13669,7 @@
                 </a:tc>
                 <a:extLst>
                   <a:ext uri="{0D108BD9-81ED-4DB2-BD59-A6C34878D82A}">
-                    <a16:rowId xmlns:a16="http://schemas.microsoft.com/office/drawing/2014/main" xmlns="" val="2478292743"/>
+                    <a16:rowId xmlns="" xmlns:a16="http://schemas.microsoft.com/office/drawing/2014/main" val="2478292743"/>
                   </a:ext>
                 </a:extLst>
               </a:tr>
@@ -13816,7 +13972,7 @@
                 </a:tc>
                 <a:extLst>
                   <a:ext uri="{0D108BD9-81ED-4DB2-BD59-A6C34878D82A}">
-                    <a16:rowId xmlns:a16="http://schemas.microsoft.com/office/drawing/2014/main" xmlns="" val="3999082340"/>
+                    <a16:rowId xmlns="" xmlns:a16="http://schemas.microsoft.com/office/drawing/2014/main" val="3999082340"/>
                   </a:ext>
                 </a:extLst>
               </a:tr>
@@ -14050,7 +14206,9 @@
         </p:nvSpPr>
         <p:spPr/>
         <p:txBody>
-          <a:bodyPr/>
+          <a:bodyPr>
+            <a:normAutofit lnSpcReduction="10000"/>
+          </a:bodyPr>
           <a:lstStyle/>
           <a:p>
             <a:r>
@@ -14186,9 +14344,74 @@
                   <a:srgbClr val="0070C0"/>
                 </a:solidFill>
               </a:rPr>
-              <a:t>认证：公钥解密的过程</a:t>
+              <a:t>认证：公钥解密的过</a:t>
+            </a:r>
+            <a:r>
+              <a:rPr lang="zh-CN" altLang="en-US" sz="1600" dirty="0" smtClean="0">
+                <a:solidFill>
+                  <a:srgbClr val="0070C0"/>
+                </a:solidFill>
+              </a:rPr>
+              <a:t>程</a:t>
             </a:r>
             <a:endParaRPr lang="en-US" altLang="zh-CN" sz="1600" dirty="0" smtClean="0">
+              <a:solidFill>
+                <a:srgbClr val="0070C0"/>
+              </a:solidFill>
+            </a:endParaRPr>
+          </a:p>
+          <a:p>
+            <a:r>
+              <a:rPr lang="zh-CN" altLang="en-US" dirty="0" smtClean="0"/>
+              <a:t>常</a:t>
+            </a:r>
+            <a:r>
+              <a:rPr lang="zh-CN" altLang="en-US" dirty="0"/>
+              <a:t>用签名算</a:t>
+            </a:r>
+            <a:r>
+              <a:rPr lang="zh-CN" altLang="en-US" dirty="0" smtClean="0"/>
+              <a:t>法</a:t>
+            </a:r>
+            <a:endParaRPr lang="en-US" altLang="zh-CN" dirty="0" smtClean="0"/>
+          </a:p>
+          <a:p>
+            <a:pPr marL="45720" indent="0">
+              <a:buNone/>
+            </a:pPr>
+            <a:r>
+              <a:rPr lang="en-US" altLang="zh-CN" dirty="0"/>
+              <a:t> </a:t>
+            </a:r>
+            <a:r>
+              <a:rPr lang="en-US" altLang="zh-CN" dirty="0" smtClean="0"/>
+              <a:t>  </a:t>
+            </a:r>
+            <a:r>
+              <a:rPr lang="en-US" altLang="zh-CN" sz="1600" dirty="0">
+                <a:solidFill>
+                  <a:srgbClr val="0070C0"/>
+                </a:solidFill>
+              </a:rPr>
+              <a:t>RSA</a:t>
+            </a:r>
+            <a:r>
+              <a:rPr lang="zh-CN" altLang="en-US" sz="1600" dirty="0">
+                <a:solidFill>
+                  <a:srgbClr val="0070C0"/>
+                </a:solidFill>
+              </a:rPr>
+              <a:t>、</a:t>
+            </a:r>
+            <a:r>
+              <a:rPr lang="en-US" altLang="zh-CN" sz="1600" dirty="0">
+                <a:solidFill>
+                  <a:srgbClr val="0070C0"/>
+                </a:solidFill>
+              </a:rPr>
+              <a:t>DSA</a:t>
+            </a:r>
+            <a:endParaRPr lang="en-US" altLang="zh-CN" sz="1600" dirty="0">
               <a:solidFill>
                 <a:srgbClr val="0070C0"/>
               </a:solidFill>
@@ -14334,8 +14557,8 @@
         </p:blipFill>
         <p:spPr>
           <a:xfrm>
-            <a:off x="1341615" y="1763485"/>
-            <a:ext cx="7214555" cy="5041788"/>
+            <a:off x="1341616" y="1763485"/>
+            <a:ext cx="5927525" cy="4142365"/>
           </a:xfrm>
           <a:prstGeom prst="rect">
             <a:avLst/>
@@ -14447,35 +14670,35 @@
                 <a:gridCol w="2056103">
                   <a:extLst>
                     <a:ext uri="{9D8B030D-6E8A-4147-A177-3AD203B41FA5}">
-                      <a16:colId xmlns:a16="http://schemas.microsoft.com/office/drawing/2014/main" xmlns="" val="1262576194"/>
+                      <a16:colId xmlns="" xmlns:a16="http://schemas.microsoft.com/office/drawing/2014/main" val="1262576194"/>
                     </a:ext>
                   </a:extLst>
                 </a:gridCol>
                 <a:gridCol w="1182848">
                   <a:extLst>
                     <a:ext uri="{9D8B030D-6E8A-4147-A177-3AD203B41FA5}">
-                      <a16:colId xmlns:a16="http://schemas.microsoft.com/office/drawing/2014/main" xmlns="" val="20001"/>
+                      <a16:colId xmlns="" xmlns:a16="http://schemas.microsoft.com/office/drawing/2014/main" val="20001"/>
                     </a:ext>
                   </a:extLst>
                 </a:gridCol>
                 <a:gridCol w="1820411">
                   <a:extLst>
                     <a:ext uri="{9D8B030D-6E8A-4147-A177-3AD203B41FA5}">
-                      <a16:colId xmlns:a16="http://schemas.microsoft.com/office/drawing/2014/main" xmlns="" val="20002"/>
+                      <a16:colId xmlns="" xmlns:a16="http://schemas.microsoft.com/office/drawing/2014/main" val="20002"/>
                     </a:ext>
                   </a:extLst>
                 </a:gridCol>
                 <a:gridCol w="1350628">
                   <a:extLst>
                     <a:ext uri="{9D8B030D-6E8A-4147-A177-3AD203B41FA5}">
-                      <a16:colId xmlns:a16="http://schemas.microsoft.com/office/drawing/2014/main" xmlns="" val="1627258925"/>
+                      <a16:colId xmlns="" xmlns:a16="http://schemas.microsoft.com/office/drawing/2014/main" val="1627258925"/>
                     </a:ext>
                   </a:extLst>
                 </a:gridCol>
                 <a:gridCol w="3100720">
                   <a:extLst>
                     <a:ext uri="{9D8B030D-6E8A-4147-A177-3AD203B41FA5}">
-                      <a16:colId xmlns:a16="http://schemas.microsoft.com/office/drawing/2014/main" xmlns="" val="279132191"/>
+                      <a16:colId xmlns="" xmlns:a16="http://schemas.microsoft.com/office/drawing/2014/main" val="279132191"/>
                     </a:ext>
                   </a:extLst>
                 </a:gridCol>
@@ -14588,7 +14811,7 @@
                 </a:tc>
                 <a:extLst>
                   <a:ext uri="{0D108BD9-81ED-4DB2-BD59-A6C34878D82A}">
-                    <a16:rowId xmlns:a16="http://schemas.microsoft.com/office/drawing/2014/main" xmlns="" val="3704071744"/>
+                    <a16:rowId xmlns="" xmlns:a16="http://schemas.microsoft.com/office/drawing/2014/main" val="3704071744"/>
                   </a:ext>
                 </a:extLst>
               </a:tr>
@@ -14762,7 +14985,7 @@
                 </a:tc>
                 <a:extLst>
                   <a:ext uri="{0D108BD9-81ED-4DB2-BD59-A6C34878D82A}">
-                    <a16:rowId xmlns:a16="http://schemas.microsoft.com/office/drawing/2014/main" xmlns="" val="1026023813"/>
+                    <a16:rowId xmlns="" xmlns:a16="http://schemas.microsoft.com/office/drawing/2014/main" val="1026023813"/>
                   </a:ext>
                 </a:extLst>
               </a:tr>
@@ -14860,7 +15083,7 @@
                 </a:tc>
                 <a:extLst>
                   <a:ext uri="{0D108BD9-81ED-4DB2-BD59-A6C34878D82A}">
-                    <a16:rowId xmlns:a16="http://schemas.microsoft.com/office/drawing/2014/main" xmlns="" val="3056097180"/>
+                    <a16:rowId xmlns="" xmlns:a16="http://schemas.microsoft.com/office/drawing/2014/main" val="3056097180"/>
                   </a:ext>
                 </a:extLst>
               </a:tr>
@@ -14958,7 +15181,7 @@
                 </a:tc>
                 <a:extLst>
                   <a:ext uri="{0D108BD9-81ED-4DB2-BD59-A6C34878D82A}">
-                    <a16:rowId xmlns:a16="http://schemas.microsoft.com/office/drawing/2014/main" xmlns="" val="3398222936"/>
+                    <a16:rowId xmlns="" xmlns:a16="http://schemas.microsoft.com/office/drawing/2014/main" val="3398222936"/>
                   </a:ext>
                 </a:extLst>
               </a:tr>
@@ -15094,7 +15317,7 @@
                 </a:tc>
                 <a:extLst>
                   <a:ext uri="{0D108BD9-81ED-4DB2-BD59-A6C34878D82A}">
-                    <a16:rowId xmlns:a16="http://schemas.microsoft.com/office/drawing/2014/main" xmlns="" val="3661055458"/>
+                    <a16:rowId xmlns="" xmlns:a16="http://schemas.microsoft.com/office/drawing/2014/main" val="3661055458"/>
                   </a:ext>
                 </a:extLst>
               </a:tr>
@@ -15246,7 +15469,7 @@
                 </a:tc>
                 <a:extLst>
                   <a:ext uri="{0D108BD9-81ED-4DB2-BD59-A6C34878D82A}">
-                    <a16:rowId xmlns:a16="http://schemas.microsoft.com/office/drawing/2014/main" xmlns="" val="1792707014"/>
+                    <a16:rowId xmlns="" xmlns:a16="http://schemas.microsoft.com/office/drawing/2014/main" val="1792707014"/>
                   </a:ext>
                 </a:extLst>
               </a:tr>
@@ -15401,7 +15624,7 @@
                 </a:tc>
                 <a:extLst>
                   <a:ext uri="{0D108BD9-81ED-4DB2-BD59-A6C34878D82A}">
-                    <a16:rowId xmlns:a16="http://schemas.microsoft.com/office/drawing/2014/main" xmlns="" val="1883377276"/>
+                    <a16:rowId xmlns="" xmlns:a16="http://schemas.microsoft.com/office/drawing/2014/main" val="1883377276"/>
                   </a:ext>
                 </a:extLst>
               </a:tr>
@@ -15559,7 +15782,7 @@
                 </a:tc>
                 <a:extLst>
                   <a:ext uri="{0D108BD9-81ED-4DB2-BD59-A6C34878D82A}">
-                    <a16:rowId xmlns:a16="http://schemas.microsoft.com/office/drawing/2014/main" xmlns="" val="4018932841"/>
+                    <a16:rowId xmlns="" xmlns:a16="http://schemas.microsoft.com/office/drawing/2014/main" val="4018932841"/>
                   </a:ext>
                 </a:extLst>
               </a:tr>
@@ -15672,35 +15895,35 @@
                 <a:gridCol w="2056103">
                   <a:extLst>
                     <a:ext uri="{9D8B030D-6E8A-4147-A177-3AD203B41FA5}">
-                      <a16:colId xmlns:a16="http://schemas.microsoft.com/office/drawing/2014/main" xmlns="" val="1262576194"/>
+                      <a16:colId xmlns="" xmlns:a16="http://schemas.microsoft.com/office/drawing/2014/main" val="1262576194"/>
                     </a:ext>
                   </a:extLst>
                 </a:gridCol>
                 <a:gridCol w="1182848">
                   <a:extLst>
                     <a:ext uri="{9D8B030D-6E8A-4147-A177-3AD203B41FA5}">
-                      <a16:colId xmlns:a16="http://schemas.microsoft.com/office/drawing/2014/main" xmlns="" val="20001"/>
+                      <a16:colId xmlns="" xmlns:a16="http://schemas.microsoft.com/office/drawing/2014/main" val="20001"/>
                     </a:ext>
                   </a:extLst>
                 </a:gridCol>
                 <a:gridCol w="1820411">
                   <a:extLst>
                     <a:ext uri="{9D8B030D-6E8A-4147-A177-3AD203B41FA5}">
-                      <a16:colId xmlns:a16="http://schemas.microsoft.com/office/drawing/2014/main" xmlns="" val="20002"/>
+                      <a16:colId xmlns="" xmlns:a16="http://schemas.microsoft.com/office/drawing/2014/main" val="20002"/>
                     </a:ext>
                   </a:extLst>
                 </a:gridCol>
                 <a:gridCol w="1350628">
                   <a:extLst>
                     <a:ext uri="{9D8B030D-6E8A-4147-A177-3AD203B41FA5}">
-                      <a16:colId xmlns:a16="http://schemas.microsoft.com/office/drawing/2014/main" xmlns="" val="1627258925"/>
+                      <a16:colId xmlns="" xmlns:a16="http://schemas.microsoft.com/office/drawing/2014/main" val="1627258925"/>
                     </a:ext>
                   </a:extLst>
                 </a:gridCol>
                 <a:gridCol w="3100720">
                   <a:extLst>
                     <a:ext uri="{9D8B030D-6E8A-4147-A177-3AD203B41FA5}">
-                      <a16:colId xmlns:a16="http://schemas.microsoft.com/office/drawing/2014/main" xmlns="" val="279132191"/>
+                      <a16:colId xmlns="" xmlns:a16="http://schemas.microsoft.com/office/drawing/2014/main" val="279132191"/>
                     </a:ext>
                   </a:extLst>
                 </a:gridCol>
@@ -15813,7 +16036,7 @@
                 </a:tc>
                 <a:extLst>
                   <a:ext uri="{0D108BD9-81ED-4DB2-BD59-A6C34878D82A}">
-                    <a16:rowId xmlns:a16="http://schemas.microsoft.com/office/drawing/2014/main" xmlns="" val="3704071744"/>
+                    <a16:rowId xmlns="" xmlns:a16="http://schemas.microsoft.com/office/drawing/2014/main" val="3704071744"/>
                   </a:ext>
                 </a:extLst>
               </a:tr>
@@ -15977,7 +16200,7 @@
                 </a:tc>
                 <a:extLst>
                   <a:ext uri="{0D108BD9-81ED-4DB2-BD59-A6C34878D82A}">
-                    <a16:rowId xmlns:a16="http://schemas.microsoft.com/office/drawing/2014/main" xmlns="" val="1026023813"/>
+                    <a16:rowId xmlns="" xmlns:a16="http://schemas.microsoft.com/office/drawing/2014/main" val="1026023813"/>
                   </a:ext>
                 </a:extLst>
               </a:tr>
@@ -16081,7 +16304,7 @@
                 </a:tc>
                 <a:extLst>
                   <a:ext uri="{0D108BD9-81ED-4DB2-BD59-A6C34878D82A}">
-                    <a16:rowId xmlns:a16="http://schemas.microsoft.com/office/drawing/2014/main" xmlns="" val="3056097180"/>
+                    <a16:rowId xmlns="" xmlns:a16="http://schemas.microsoft.com/office/drawing/2014/main" val="3056097180"/>
                   </a:ext>
                 </a:extLst>
               </a:tr>
@@ -16179,7 +16402,7 @@
                 </a:tc>
                 <a:extLst>
                   <a:ext uri="{0D108BD9-81ED-4DB2-BD59-A6C34878D82A}">
-                    <a16:rowId xmlns:a16="http://schemas.microsoft.com/office/drawing/2014/main" xmlns="" val="3398222936"/>
+                    <a16:rowId xmlns="" xmlns:a16="http://schemas.microsoft.com/office/drawing/2014/main" val="3398222936"/>
                   </a:ext>
                 </a:extLst>
               </a:tr>
@@ -16331,7 +16554,7 @@
                 </a:tc>
                 <a:extLst>
                   <a:ext uri="{0D108BD9-81ED-4DB2-BD59-A6C34878D82A}">
-                    <a16:rowId xmlns:a16="http://schemas.microsoft.com/office/drawing/2014/main" xmlns="" val="3661055458"/>
+                    <a16:rowId xmlns="" xmlns:a16="http://schemas.microsoft.com/office/drawing/2014/main" val="3661055458"/>
                   </a:ext>
                 </a:extLst>
               </a:tr>
@@ -16483,7 +16706,7 @@
                 </a:tc>
                 <a:extLst>
                   <a:ext uri="{0D108BD9-81ED-4DB2-BD59-A6C34878D82A}">
-                    <a16:rowId xmlns:a16="http://schemas.microsoft.com/office/drawing/2014/main" xmlns="" val="1792707014"/>
+                    <a16:rowId xmlns="" xmlns:a16="http://schemas.microsoft.com/office/drawing/2014/main" val="1792707014"/>
                   </a:ext>
                 </a:extLst>
               </a:tr>
